--- a/ClassMaterials/Inheritance/Slides/Part1-Inheritance.pptx
+++ b/ClassMaterials/Inheritance/Slides/Part1-Inheritance.pptx
@@ -221,16 +221,24 @@
   <pc:docChgLst>
     <pc:chgData name="Yoder, Jason" userId="28f4d4d8-da04-4f86-b14d-a21675737bc5" providerId="ADAL" clId="{26A4166D-275D-42FB-9415-E159EBF2FD40}"/>
     <pc:docChg chg="custSel addSld modSld sldOrd">
-      <pc:chgData name="Yoder, Jason" userId="28f4d4d8-da04-4f86-b14d-a21675737bc5" providerId="ADAL" clId="{26A4166D-275D-42FB-9415-E159EBF2FD40}" dt="2023-11-20T21:49:20.219" v="521"/>
+      <pc:chgData name="Yoder, Jason" userId="28f4d4d8-da04-4f86-b14d-a21675737bc5" providerId="ADAL" clId="{26A4166D-275D-42FB-9415-E159EBF2FD40}" dt="2023-11-21T17:25:21.540" v="554" actId="14100"/>
       <pc:docMkLst>
         <pc:docMk/>
       </pc:docMkLst>
-      <pc:sldChg chg="modNotesTx">
-        <pc:chgData name="Yoder, Jason" userId="28f4d4d8-da04-4f86-b14d-a21675737bc5" providerId="ADAL" clId="{26A4166D-275D-42FB-9415-E159EBF2FD40}" dt="2023-11-20T21:41:59.667" v="99" actId="20577"/>
+      <pc:sldChg chg="modSp mod modNotesTx">
+        <pc:chgData name="Yoder, Jason" userId="28f4d4d8-da04-4f86-b14d-a21675737bc5" providerId="ADAL" clId="{26A4166D-275D-42FB-9415-E159EBF2FD40}" dt="2023-11-21T17:25:21.540" v="554" actId="14100"/>
         <pc:sldMkLst>
           <pc:docMk/>
           <pc:sldMk cId="0" sldId="256"/>
         </pc:sldMkLst>
+        <pc:spChg chg="mod">
+          <ac:chgData name="Yoder, Jason" userId="28f4d4d8-da04-4f86-b14d-a21675737bc5" providerId="ADAL" clId="{26A4166D-275D-42FB-9415-E159EBF2FD40}" dt="2023-11-21T17:25:21.540" v="554" actId="14100"/>
+          <ac:spMkLst>
+            <pc:docMk/>
+            <pc:sldMk cId="0" sldId="256"/>
+            <ac:spMk id="5" creationId="{74C4FB13-A9C6-AE49-93D9-007B088B724C}"/>
+          </ac:spMkLst>
+        </pc:spChg>
       </pc:sldChg>
       <pc:sldChg chg="ord">
         <pc:chgData name="Yoder, Jason" userId="28f4d4d8-da04-4f86-b14d-a21675737bc5" providerId="ADAL" clId="{26A4166D-275D-42FB-9415-E159EBF2FD40}" dt="2023-11-20T21:49:20.219" v="521"/>
@@ -392,7 +400,7 @@
               <a:pPr>
                 <a:defRPr/>
               </a:pPr>
-              <a:t>11/20/2023</a:t>
+              <a:t>11/21/2023</a:t>
             </a:fld>
             <a:endParaRPr lang="en-US"/>
           </a:p>
@@ -627,7 +635,7 @@
               <a:pPr>
                 <a:defRPr/>
               </a:pPr>
-              <a:t>11/20/2023</a:t>
+              <a:t>11/21/2023</a:t>
             </a:fld>
             <a:endParaRPr lang="en-US"/>
           </a:p>
@@ -5097,7 +5105,7 @@
               <a:pPr>
                 <a:defRPr/>
               </a:pPr>
-              <a:t>Monday, November 20, 2023</a:t>
+              <a:t>Tuesday, November 21, 2023</a:t>
             </a:fld>
             <a:endParaRPr lang="en-US"/>
           </a:p>
@@ -5280,7 +5288,7 @@
               <a:pPr>
                 <a:defRPr/>
               </a:pPr>
-              <a:t>Monday, November 20, 2023</a:t>
+              <a:t>Tuesday, November 21, 2023</a:t>
             </a:fld>
             <a:endParaRPr lang="en-US"/>
           </a:p>
@@ -5473,7 +5481,7 @@
               <a:pPr>
                 <a:defRPr/>
               </a:pPr>
-              <a:t>Monday, November 20, 2023</a:t>
+              <a:t>Tuesday, November 21, 2023</a:t>
             </a:fld>
             <a:endParaRPr lang="en-US"/>
           </a:p>
@@ -5656,7 +5664,7 @@
               <a:pPr>
                 <a:defRPr/>
               </a:pPr>
-              <a:t>Monday, November 20, 2023</a:t>
+              <a:t>Tuesday, November 21, 2023</a:t>
             </a:fld>
             <a:endParaRPr lang="en-US"/>
           </a:p>
@@ -5916,7 +5924,7 @@
               <a:pPr>
                 <a:defRPr/>
               </a:pPr>
-              <a:t>Monday, November 20, 2023</a:t>
+              <a:t>Tuesday, November 21, 2023</a:t>
             </a:fld>
             <a:endParaRPr lang="en-US"/>
           </a:p>
@@ -6216,7 +6224,7 @@
               <a:pPr>
                 <a:defRPr/>
               </a:pPr>
-              <a:t>Monday, November 20, 2023</a:t>
+              <a:t>Tuesday, November 21, 2023</a:t>
             </a:fld>
             <a:endParaRPr lang="en-US"/>
           </a:p>
@@ -6650,7 +6658,7 @@
               <a:pPr>
                 <a:defRPr/>
               </a:pPr>
-              <a:t>Monday, November 20, 2023</a:t>
+              <a:t>Tuesday, November 21, 2023</a:t>
             </a:fld>
             <a:endParaRPr lang="en-US"/>
           </a:p>
@@ -6782,7 +6790,7 @@
               <a:pPr>
                 <a:defRPr/>
               </a:pPr>
-              <a:t>Monday, November 20, 2023</a:t>
+              <a:t>Tuesday, November 21, 2023</a:t>
             </a:fld>
             <a:endParaRPr lang="en-US"/>
           </a:p>
@@ -6892,7 +6900,7 @@
               <a:pPr>
                 <a:defRPr/>
               </a:pPr>
-              <a:t>Monday, November 20, 2023</a:t>
+              <a:t>Tuesday, November 21, 2023</a:t>
             </a:fld>
             <a:endParaRPr lang="en-US"/>
           </a:p>
@@ -7182,7 +7190,7 @@
               <a:pPr>
                 <a:defRPr/>
               </a:pPr>
-              <a:t>Monday, November 20, 2023</a:t>
+              <a:t>Tuesday, November 21, 2023</a:t>
             </a:fld>
             <a:endParaRPr lang="en-US"/>
           </a:p>
@@ -7449,7 +7457,7 @@
               <a:pPr>
                 <a:defRPr/>
               </a:pPr>
-              <a:t>Monday, November 20, 2023</a:t>
+              <a:t>Tuesday, November 21, 2023</a:t>
             </a:fld>
             <a:endParaRPr lang="en-US"/>
           </a:p>
@@ -7675,7 +7683,7 @@
               <a:pPr>
                 <a:defRPr/>
               </a:pPr>
-              <a:t>Monday, November 20, 2023</a:t>
+              <a:t>Tuesday, November 21, 2023</a:t>
             </a:fld>
             <a:endParaRPr lang="en-US"/>
           </a:p>
@@ -8128,8 +8136,8 @@
         </p:nvSpPr>
         <p:spPr>
           <a:xfrm>
-            <a:off x="304800" y="4991100"/>
-            <a:ext cx="8534400" cy="1295400"/>
+            <a:off x="304800" y="4559481"/>
+            <a:ext cx="8534400" cy="2184219"/>
           </a:xfrm>
           <a:prstGeom prst="rect">
             <a:avLst/>
@@ -8202,6 +8210,43 @@
             <a:r>
               <a:rPr lang="en-US" sz="2400" i="1" dirty="0" err="1"/>
               <a:t>PracticeInheritanceSolution</a:t>
+            </a:r>
+            <a:endParaRPr lang="en-US" sz="2400" i="1" dirty="0"/>
+          </a:p>
+          <a:p>
+            <a:r>
+              <a:rPr lang="en-US" sz="2400" dirty="0">
+                <a:solidFill>
+                  <a:srgbClr val="FFFFFF"/>
+                </a:solidFill>
+              </a:rPr>
+              <a:t>The </a:t>
+            </a:r>
+            <a:r>
+              <a:rPr lang="en-US" sz="2400" i="1" dirty="0">
+                <a:solidFill>
+                  <a:srgbClr val="FFFFFF"/>
+                </a:solidFill>
+              </a:rPr>
+              <a:t>Quiz</a:t>
+            </a:r>
+            <a:r>
+              <a:rPr lang="en-US" sz="2400" dirty="0">
+                <a:solidFill>
+                  <a:srgbClr val="FFFFFF"/>
+                </a:solidFill>
+              </a:rPr>
+              <a:t> for today is:</a:t>
+            </a:r>
+          </a:p>
+          <a:p>
+            <a:pPr marL="342900" indent="-342900">
+              <a:buFont typeface="Arial" panose="020B0604020202020204" pitchFamily="34" charset="0"/>
+              <a:buChar char="•"/>
+            </a:pPr>
+            <a:r>
+              <a:rPr lang="en-US" sz="2400" i="1" dirty="0" err="1"/>
+              <a:t>InheritanceQuiz</a:t>
             </a:r>
             <a:endParaRPr lang="en-US" sz="2400" i="1" dirty="0"/>
           </a:p>
@@ -17066,18 +17111,18 @@
 </file>
 
 <file path=customXml/item2.xml><?xml version="1.0" encoding="utf-8"?>
-<p:properties xmlns:p="http://schemas.microsoft.com/office/2006/metadata/properties" xmlns:xsi="http://www.w3.org/2001/XMLSchema-instance" xmlns:pc="http://schemas.microsoft.com/office/infopath/2007/PartnerControls">
-  <documentManagement/>
-</p:properties>
-</file>
-
-<file path=customXml/item3.xml><?xml version="1.0" encoding="utf-8"?>
 <?mso-contentType ?>
 <FormTemplates xmlns="http://schemas.microsoft.com/sharepoint/v3/contenttype/forms">
   <Display>DocumentLibraryForm</Display>
   <Edit>DocumentLibraryForm</Edit>
   <New>DocumentLibraryForm</New>
 </FormTemplates>
+</file>
+
+<file path=customXml/item3.xml><?xml version="1.0" encoding="utf-8"?>
+<p:properties xmlns:p="http://schemas.microsoft.com/office/2006/metadata/properties" xmlns:xsi="http://www.w3.org/2001/XMLSchema-instance" xmlns:pc="http://schemas.microsoft.com/office/infopath/2007/PartnerControls">
+  <documentManagement/>
+</p:properties>
 </file>
 
 <file path=customXml/itemProps1.xml><?xml version="1.0" encoding="utf-8"?>
@@ -17099,18 +17144,18 @@
 </file>
 
 <file path=customXml/itemProps2.xml><?xml version="1.0" encoding="utf-8"?>
+<ds:datastoreItem xmlns:ds="http://schemas.openxmlformats.org/officeDocument/2006/customXml" ds:itemID="{3C4378FB-03E6-44FD-B96F-DE665721A11C}">
+  <ds:schemaRefs>
+    <ds:schemaRef ds:uri="http://schemas.microsoft.com/sharepoint/v3/contenttype/forms"/>
+  </ds:schemaRefs>
+</ds:datastoreItem>
+</file>
+
+<file path=customXml/itemProps3.xml><?xml version="1.0" encoding="utf-8"?>
 <ds:datastoreItem xmlns:ds="http://schemas.openxmlformats.org/officeDocument/2006/customXml" ds:itemID="{72D20C57-C3B5-47E7-874B-37927E7B7865}">
   <ds:schemaRefs>
     <ds:schemaRef ds:uri="http://schemas.microsoft.com/office/2006/metadata/properties"/>
     <ds:schemaRef ds:uri="http://schemas.microsoft.com/office/infopath/2007/PartnerControls"/>
   </ds:schemaRefs>
 </ds:datastoreItem>
-</file>
-
-<file path=customXml/itemProps3.xml><?xml version="1.0" encoding="utf-8"?>
-<ds:datastoreItem xmlns:ds="http://schemas.openxmlformats.org/officeDocument/2006/customXml" ds:itemID="{3C4378FB-03E6-44FD-B96F-DE665721A11C}">
-  <ds:schemaRefs>
-    <ds:schemaRef ds:uri="http://schemas.microsoft.com/sharepoint/v3/contenttype/forms"/>
-  </ds:schemaRefs>
-</ds:datastoreItem>
 </file>
--- a/ClassMaterials/Inheritance/Slides/Part1-Inheritance.pptx
+++ b/ClassMaterials/Inheritance/Slides/Part1-Inheritance.pptx
@@ -400,7 +400,7 @@
               <a:pPr>
                 <a:defRPr/>
               </a:pPr>
-              <a:t>11/21/2023</a:t>
+              <a:t>2/25/2024</a:t>
             </a:fld>
             <a:endParaRPr lang="en-US"/>
           </a:p>
@@ -635,7 +635,7 @@
               <a:pPr>
                 <a:defRPr/>
               </a:pPr>
-              <a:t>11/21/2023</a:t>
+              <a:t>2/25/2024</a:t>
             </a:fld>
             <a:endParaRPr lang="en-US"/>
           </a:p>
@@ -5105,7 +5105,7 @@
               <a:pPr>
                 <a:defRPr/>
               </a:pPr>
-              <a:t>Tuesday, November 21, 2023</a:t>
+              <a:t>Sunday, February 25, 2024</a:t>
             </a:fld>
             <a:endParaRPr lang="en-US"/>
           </a:p>
@@ -5288,7 +5288,7 @@
               <a:pPr>
                 <a:defRPr/>
               </a:pPr>
-              <a:t>Tuesday, November 21, 2023</a:t>
+              <a:t>Sunday, February 25, 2024</a:t>
             </a:fld>
             <a:endParaRPr lang="en-US"/>
           </a:p>
@@ -5481,7 +5481,7 @@
               <a:pPr>
                 <a:defRPr/>
               </a:pPr>
-              <a:t>Tuesday, November 21, 2023</a:t>
+              <a:t>Sunday, February 25, 2024</a:t>
             </a:fld>
             <a:endParaRPr lang="en-US"/>
           </a:p>
@@ -5664,7 +5664,7 @@
               <a:pPr>
                 <a:defRPr/>
               </a:pPr>
-              <a:t>Tuesday, November 21, 2023</a:t>
+              <a:t>Sunday, February 25, 2024</a:t>
             </a:fld>
             <a:endParaRPr lang="en-US"/>
           </a:p>
@@ -5924,7 +5924,7 @@
               <a:pPr>
                 <a:defRPr/>
               </a:pPr>
-              <a:t>Tuesday, November 21, 2023</a:t>
+              <a:t>Sunday, February 25, 2024</a:t>
             </a:fld>
             <a:endParaRPr lang="en-US"/>
           </a:p>
@@ -6224,7 +6224,7 @@
               <a:pPr>
                 <a:defRPr/>
               </a:pPr>
-              <a:t>Tuesday, November 21, 2023</a:t>
+              <a:t>Sunday, February 25, 2024</a:t>
             </a:fld>
             <a:endParaRPr lang="en-US"/>
           </a:p>
@@ -6658,7 +6658,7 @@
               <a:pPr>
                 <a:defRPr/>
               </a:pPr>
-              <a:t>Tuesday, November 21, 2023</a:t>
+              <a:t>Sunday, February 25, 2024</a:t>
             </a:fld>
             <a:endParaRPr lang="en-US"/>
           </a:p>
@@ -6790,7 +6790,7 @@
               <a:pPr>
                 <a:defRPr/>
               </a:pPr>
-              <a:t>Tuesday, November 21, 2023</a:t>
+              <a:t>Sunday, February 25, 2024</a:t>
             </a:fld>
             <a:endParaRPr lang="en-US"/>
           </a:p>
@@ -6900,7 +6900,7 @@
               <a:pPr>
                 <a:defRPr/>
               </a:pPr>
-              <a:t>Tuesday, November 21, 2023</a:t>
+              <a:t>Sunday, February 25, 2024</a:t>
             </a:fld>
             <a:endParaRPr lang="en-US"/>
           </a:p>
@@ -7190,7 +7190,7 @@
               <a:pPr>
                 <a:defRPr/>
               </a:pPr>
-              <a:t>Tuesday, November 21, 2023</a:t>
+              <a:t>Sunday, February 25, 2024</a:t>
             </a:fld>
             <a:endParaRPr lang="en-US"/>
           </a:p>
@@ -7457,7 +7457,7 @@
               <a:pPr>
                 <a:defRPr/>
               </a:pPr>
-              <a:t>Tuesday, November 21, 2023</a:t>
+              <a:t>Sunday, February 25, 2024</a:t>
             </a:fld>
             <a:endParaRPr lang="en-US"/>
           </a:p>
@@ -7683,7 +7683,7 @@
               <a:pPr>
                 <a:defRPr/>
               </a:pPr>
-              <a:t>Tuesday, November 21, 2023</a:t>
+              <a:t>Sunday, February 25, 2024</a:t>
             </a:fld>
             <a:endParaRPr lang="en-US"/>
           </a:p>
@@ -8313,7 +8313,7 @@
                   <a:srgbClr val="FFFF00"/>
                 </a:highlight>
               </a:rPr>
-              <a:t>_________</a:t>
+              <a:t>___________</a:t>
             </a:r>
             <a:endParaRPr lang="en-US" sz="4400" dirty="0">
               <a:highlight>

--- a/ClassMaterials/Inheritance/Slides/Part1-Inheritance.pptx
+++ b/ClassMaterials/Inheritance/Slides/Part1-Inheritance.pptx
@@ -400,7 +400,7 @@
               <a:pPr>
                 <a:defRPr/>
               </a:pPr>
-              <a:t>2/25/2024</a:t>
+              <a:t>4/22/2025</a:t>
             </a:fld>
             <a:endParaRPr lang="en-US"/>
           </a:p>
@@ -635,7 +635,7 @@
               <a:pPr>
                 <a:defRPr/>
               </a:pPr>
-              <a:t>2/25/2024</a:t>
+              <a:t>4/22/2025</a:t>
             </a:fld>
             <a:endParaRPr lang="en-US"/>
           </a:p>
@@ -5105,7 +5105,7 @@
               <a:pPr>
                 <a:defRPr/>
               </a:pPr>
-              <a:t>Sunday, February 25, 2024</a:t>
+              <a:t>Tuesday, April 22, 2025</a:t>
             </a:fld>
             <a:endParaRPr lang="en-US"/>
           </a:p>
@@ -5288,7 +5288,7 @@
               <a:pPr>
                 <a:defRPr/>
               </a:pPr>
-              <a:t>Sunday, February 25, 2024</a:t>
+              <a:t>Tuesday, April 22, 2025</a:t>
             </a:fld>
             <a:endParaRPr lang="en-US"/>
           </a:p>
@@ -5481,7 +5481,7 @@
               <a:pPr>
                 <a:defRPr/>
               </a:pPr>
-              <a:t>Sunday, February 25, 2024</a:t>
+              <a:t>Tuesday, April 22, 2025</a:t>
             </a:fld>
             <a:endParaRPr lang="en-US"/>
           </a:p>
@@ -5664,7 +5664,7 @@
               <a:pPr>
                 <a:defRPr/>
               </a:pPr>
-              <a:t>Sunday, February 25, 2024</a:t>
+              <a:t>Tuesday, April 22, 2025</a:t>
             </a:fld>
             <a:endParaRPr lang="en-US"/>
           </a:p>
@@ -5924,7 +5924,7 @@
               <a:pPr>
                 <a:defRPr/>
               </a:pPr>
-              <a:t>Sunday, February 25, 2024</a:t>
+              <a:t>Tuesday, April 22, 2025</a:t>
             </a:fld>
             <a:endParaRPr lang="en-US"/>
           </a:p>
@@ -6224,7 +6224,7 @@
               <a:pPr>
                 <a:defRPr/>
               </a:pPr>
-              <a:t>Sunday, February 25, 2024</a:t>
+              <a:t>Tuesday, April 22, 2025</a:t>
             </a:fld>
             <a:endParaRPr lang="en-US"/>
           </a:p>
@@ -6658,7 +6658,7 @@
               <a:pPr>
                 <a:defRPr/>
               </a:pPr>
-              <a:t>Sunday, February 25, 2024</a:t>
+              <a:t>Tuesday, April 22, 2025</a:t>
             </a:fld>
             <a:endParaRPr lang="en-US"/>
           </a:p>
@@ -6790,7 +6790,7 @@
               <a:pPr>
                 <a:defRPr/>
               </a:pPr>
-              <a:t>Sunday, February 25, 2024</a:t>
+              <a:t>Tuesday, April 22, 2025</a:t>
             </a:fld>
             <a:endParaRPr lang="en-US"/>
           </a:p>
@@ -6900,7 +6900,7 @@
               <a:pPr>
                 <a:defRPr/>
               </a:pPr>
-              <a:t>Sunday, February 25, 2024</a:t>
+              <a:t>Tuesday, April 22, 2025</a:t>
             </a:fld>
             <a:endParaRPr lang="en-US"/>
           </a:p>
@@ -7190,7 +7190,7 @@
               <a:pPr>
                 <a:defRPr/>
               </a:pPr>
-              <a:t>Sunday, February 25, 2024</a:t>
+              <a:t>Tuesday, April 22, 2025</a:t>
             </a:fld>
             <a:endParaRPr lang="en-US"/>
           </a:p>
@@ -7457,7 +7457,7 @@
               <a:pPr>
                 <a:defRPr/>
               </a:pPr>
-              <a:t>Sunday, February 25, 2024</a:t>
+              <a:t>Tuesday, April 22, 2025</a:t>
             </a:fld>
             <a:endParaRPr lang="en-US"/>
           </a:p>
@@ -7683,7 +7683,7 @@
               <a:pPr>
                 <a:defRPr/>
               </a:pPr>
-              <a:t>Sunday, February 25, 2024</a:t>
+              <a:t>Tuesday, April 22, 2025</a:t>
             </a:fld>
             <a:endParaRPr lang="en-US"/>
           </a:p>
@@ -8252,77 +8252,6 @@
           </a:p>
         </p:txBody>
       </p:sp>
-      <p:sp>
-        <p:nvSpPr>
-          <p:cNvPr id="3" name="TextBox 2">
-            <a:extLst>
-              <a:ext uri="{FF2B5EF4-FFF2-40B4-BE49-F238E27FC236}">
-                <a16:creationId xmlns:a16="http://schemas.microsoft.com/office/drawing/2014/main" id="{D3965D5B-A23C-9F83-09AB-957BB83593D3}"/>
-              </a:ext>
-            </a:extLst>
-          </p:cNvPr>
-          <p:cNvSpPr txBox="1"/>
-          <p:nvPr/>
-        </p:nvSpPr>
-        <p:spPr>
-          <a:xfrm>
-            <a:off x="3048001" y="-20697"/>
-            <a:ext cx="5903496" cy="1046440"/>
-          </a:xfrm>
-          <a:prstGeom prst="rect">
-            <a:avLst/>
-          </a:prstGeom>
-          <a:noFill/>
-          <a:ln w="12700" cap="flat">
-            <a:noFill/>
-            <a:miter lim="400000"/>
-          </a:ln>
-          <a:effectLst/>
-        </p:spPr>
-        <p:style>
-          <a:lnRef idx="0">
-            <a:scrgbClr r="0" g="0" b="0"/>
-          </a:lnRef>
-          <a:fillRef idx="0">
-            <a:scrgbClr r="0" g="0" b="0"/>
-          </a:fillRef>
-          <a:effectRef idx="0">
-            <a:scrgbClr r="0" g="0" b="0"/>
-          </a:effectRef>
-          <a:fontRef idx="none"/>
-        </p:style>
-        <p:txBody>
-          <a:bodyPr wrap="square">
-            <a:spAutoFit/>
-          </a:bodyPr>
-          <a:lstStyle/>
-          <a:p>
-            <a:r>
-              <a:rPr lang="en-US" dirty="0">
-                <a:highlight>
-                  <a:srgbClr val="FFFF00"/>
-                </a:highlight>
-              </a:rPr>
-              <a:t>Today’s Attendance password</a:t>
-            </a:r>
-          </a:p>
-          <a:p>
-            <a:r>
-              <a:rPr lang="en-US" sz="4400">
-                <a:highlight>
-                  <a:srgbClr val="FFFF00"/>
-                </a:highlight>
-              </a:rPr>
-              <a:t>___________</a:t>
-            </a:r>
-            <a:endParaRPr lang="en-US" sz="4400" dirty="0">
-              <a:highlight>
-                <a:srgbClr val="FFFF00"/>
-              </a:highlight>
-            </a:endParaRPr>
-          </a:p>
-        </p:txBody>
-      </p:sp>
       <p:pic>
         <p:nvPicPr>
           <p:cNvPr id="4" name="Picture 3">
@@ -8353,6 +8282,69 @@
           </a:prstGeom>
         </p:spPr>
       </p:pic>
+      <p:sp>
+        <p:nvSpPr>
+          <p:cNvPr id="6" name="Shape 54">
+            <a:extLst>
+              <a:ext uri="{FF2B5EF4-FFF2-40B4-BE49-F238E27FC236}">
+                <a16:creationId xmlns:a16="http://schemas.microsoft.com/office/drawing/2014/main" id="{F3DA68CC-1F3A-6368-C4EA-9C90D20FAD45}"/>
+              </a:ext>
+            </a:extLst>
+          </p:cNvPr>
+          <p:cNvSpPr/>
+          <p:nvPr/>
+        </p:nvSpPr>
+        <p:spPr>
+          <a:xfrm>
+            <a:off x="5539154" y="209686"/>
+            <a:ext cx="3346430" cy="738664"/>
+          </a:xfrm>
+          <a:prstGeom prst="rect">
+            <a:avLst/>
+          </a:prstGeom>
+          <a:solidFill>
+            <a:srgbClr val="9BBB59"/>
+          </a:solidFill>
+          <a:ln w="25400" cap="rnd">
+            <a:solidFill>
+              <a:srgbClr val="718841"/>
+            </a:solidFill>
+          </a:ln>
+          <a:extLst>
+            <a:ext uri="{C572A759-6A51-4108-AA02-DFA0A04FC94B}">
+              <ma14:wrappingTextBoxFlag xmlns="" xmlns:ma14="http://schemas.microsoft.com/office/mac/drawingml/2011/main" val="1"/>
+            </a:ext>
+          </a:extLst>
+        </p:spPr>
+        <p:txBody>
+          <a:bodyPr wrap="square" lIns="0" tIns="0" rIns="0" bIns="0">
+            <a:spAutoFit/>
+          </a:bodyPr>
+          <a:lstStyle/>
+          <a:p>
+            <a:pPr lvl="0"/>
+            <a:r>
+              <a:rPr lang="en-US" sz="2400" i="1" dirty="0">
+                <a:solidFill>
+                  <a:srgbClr val="FFFFFF"/>
+                </a:solidFill>
+              </a:rPr>
+              <a:t> Attendance password    </a:t>
+            </a:r>
+          </a:p>
+          <a:p>
+            <a:pPr lvl="0"/>
+            <a:r>
+              <a:rPr lang="en-US" sz="2400" i="1" dirty="0">
+                <a:solidFill>
+                  <a:srgbClr val="FFFFFF"/>
+                </a:solidFill>
+              </a:rPr>
+              <a:t> is written on the board</a:t>
+            </a:r>
+          </a:p>
+        </p:txBody>
+      </p:sp>
     </p:spTree>
   </p:cSld>
   <p:clrMapOvr>
@@ -16941,6 +16933,15 @@
 </file>
 
 <file path=customXml/item1.xml><?xml version="1.0" encoding="utf-8"?>
+<?mso-contentType ?>
+<FormTemplates xmlns="http://schemas.microsoft.com/sharepoint/v3/contenttype/forms">
+  <Display>DocumentLibraryForm</Display>
+  <Edit>DocumentLibraryForm</Edit>
+  <New>DocumentLibraryForm</New>
+</FormTemplates>
+</file>
+
+<file path=customXml/item2.xml><?xml version="1.0" encoding="utf-8"?>
 <ct:contentTypeSchema xmlns:ct="http://schemas.microsoft.com/office/2006/metadata/contentType" xmlns:ma="http://schemas.microsoft.com/office/2006/metadata/properties/metaAttributes" ct:_="" ma:_="" ma:contentTypeName="Document" ma:contentTypeID="0x0101001570BCAAD2E4294F9443DCB038A55380" ma:contentTypeVersion="8" ma:contentTypeDescription="Create a new document." ma:contentTypeScope="" ma:versionID="9523c79d6bab9e2ad858b5223ec5ed94">
   <xsd:schema xmlns:xsd="http://www.w3.org/2001/XMLSchema" xmlns:xs="http://www.w3.org/2001/XMLSchema" xmlns:p="http://schemas.microsoft.com/office/2006/metadata/properties" xmlns:ns2="201674f6-2bdd-4f13-ba1e-424e4aa70473" targetNamespace="http://schemas.microsoft.com/office/2006/metadata/properties" ma:root="true" ma:fieldsID="587afc94f70b507ec5be5f4d78229b0b" ns2:_="">
     <xsd:import namespace="201674f6-2bdd-4f13-ba1e-424e4aa70473"/>
@@ -17110,15 +17111,6 @@
 </ct:contentTypeSchema>
 </file>
 
-<file path=customXml/item2.xml><?xml version="1.0" encoding="utf-8"?>
-<?mso-contentType ?>
-<FormTemplates xmlns="http://schemas.microsoft.com/sharepoint/v3/contenttype/forms">
-  <Display>DocumentLibraryForm</Display>
-  <Edit>DocumentLibraryForm</Edit>
-  <New>DocumentLibraryForm</New>
-</FormTemplates>
-</file>
-
 <file path=customXml/item3.xml><?xml version="1.0" encoding="utf-8"?>
 <p:properties xmlns:p="http://schemas.microsoft.com/office/2006/metadata/properties" xmlns:xsi="http://www.w3.org/2001/XMLSchema-instance" xmlns:pc="http://schemas.microsoft.com/office/infopath/2007/PartnerControls">
   <documentManagement/>
@@ -17126,6 +17118,14 @@
 </file>
 
 <file path=customXml/itemProps1.xml><?xml version="1.0" encoding="utf-8"?>
+<ds:datastoreItem xmlns:ds="http://schemas.openxmlformats.org/officeDocument/2006/customXml" ds:itemID="{3C4378FB-03E6-44FD-B96F-DE665721A11C}">
+  <ds:schemaRefs>
+    <ds:schemaRef ds:uri="http://schemas.microsoft.com/sharepoint/v3/contenttype/forms"/>
+  </ds:schemaRefs>
+</ds:datastoreItem>
+</file>
+
+<file path=customXml/itemProps2.xml><?xml version="1.0" encoding="utf-8"?>
 <ds:datastoreItem xmlns:ds="http://schemas.openxmlformats.org/officeDocument/2006/customXml" ds:itemID="{60F9EA22-5825-4E8D-9432-59C9592C3427}">
   <ds:schemaRefs>
     <ds:schemaRef ds:uri="http://schemas.microsoft.com/office/2006/metadata/contentType"/>
@@ -17143,14 +17143,6 @@
 </ds:datastoreItem>
 </file>
 
-<file path=customXml/itemProps2.xml><?xml version="1.0" encoding="utf-8"?>
-<ds:datastoreItem xmlns:ds="http://schemas.openxmlformats.org/officeDocument/2006/customXml" ds:itemID="{3C4378FB-03E6-44FD-B96F-DE665721A11C}">
-  <ds:schemaRefs>
-    <ds:schemaRef ds:uri="http://schemas.microsoft.com/sharepoint/v3/contenttype/forms"/>
-  </ds:schemaRefs>
-</ds:datastoreItem>
-</file>
-
 <file path=customXml/itemProps3.xml><?xml version="1.0" encoding="utf-8"?>
 <ds:datastoreItem xmlns:ds="http://schemas.openxmlformats.org/officeDocument/2006/customXml" ds:itemID="{72D20C57-C3B5-47E7-874B-37927E7B7865}">
   <ds:schemaRefs>
